--- a/Documentation/QrCode.pptx
+++ b/Documentation/QrCode.pptx
@@ -104,6 +104,11 @@
       </a:defRPr>
     </a:lvl9pPr>
   </p:defaultTextStyle>
+  <p:extLst>
+    <p:ext uri="{EFAFB233-063F-42B5-8137-9DF3F51BA10A}">
+      <p15:sldGuideLst xmlns:p15="http://schemas.microsoft.com/office/powerpoint/2012/main"/>
+    </p:ext>
+  </p:extLst>
 </p:presentation>
 </file>
 
@@ -256,7 +261,7 @@
           <a:p>
             <a:fld id="{EFBA9ADD-3D64-4887-B8C6-B5E64B182A8F}" type="datetimeFigureOut">
               <a:rPr lang="fr-CA" smtClean="0"/>
-              <a:t>2023-03-23</a:t>
+              <a:t>2023-03-28</a:t>
             </a:fld>
             <a:endParaRPr lang="fr-CA"/>
           </a:p>
@@ -456,7 +461,7 @@
           <a:p>
             <a:fld id="{EFBA9ADD-3D64-4887-B8C6-B5E64B182A8F}" type="datetimeFigureOut">
               <a:rPr lang="fr-CA" smtClean="0"/>
-              <a:t>2023-03-23</a:t>
+              <a:t>2023-03-28</a:t>
             </a:fld>
             <a:endParaRPr lang="fr-CA"/>
           </a:p>
@@ -666,7 +671,7 @@
           <a:p>
             <a:fld id="{EFBA9ADD-3D64-4887-B8C6-B5E64B182A8F}" type="datetimeFigureOut">
               <a:rPr lang="fr-CA" smtClean="0"/>
-              <a:t>2023-03-23</a:t>
+              <a:t>2023-03-28</a:t>
             </a:fld>
             <a:endParaRPr lang="fr-CA"/>
           </a:p>
@@ -866,7 +871,7 @@
           <a:p>
             <a:fld id="{EFBA9ADD-3D64-4887-B8C6-B5E64B182A8F}" type="datetimeFigureOut">
               <a:rPr lang="fr-CA" smtClean="0"/>
-              <a:t>2023-03-23</a:t>
+              <a:t>2023-03-28</a:t>
             </a:fld>
             <a:endParaRPr lang="fr-CA"/>
           </a:p>
@@ -1142,7 +1147,7 @@
           <a:p>
             <a:fld id="{EFBA9ADD-3D64-4887-B8C6-B5E64B182A8F}" type="datetimeFigureOut">
               <a:rPr lang="fr-CA" smtClean="0"/>
-              <a:t>2023-03-23</a:t>
+              <a:t>2023-03-28</a:t>
             </a:fld>
             <a:endParaRPr lang="fr-CA"/>
           </a:p>
@@ -1410,7 +1415,7 @@
           <a:p>
             <a:fld id="{EFBA9ADD-3D64-4887-B8C6-B5E64B182A8F}" type="datetimeFigureOut">
               <a:rPr lang="fr-CA" smtClean="0"/>
-              <a:t>2023-03-23</a:t>
+              <a:t>2023-03-28</a:t>
             </a:fld>
             <a:endParaRPr lang="fr-CA"/>
           </a:p>
@@ -1825,7 +1830,7 @@
           <a:p>
             <a:fld id="{EFBA9ADD-3D64-4887-B8C6-B5E64B182A8F}" type="datetimeFigureOut">
               <a:rPr lang="fr-CA" smtClean="0"/>
-              <a:t>2023-03-23</a:t>
+              <a:t>2023-03-28</a:t>
             </a:fld>
             <a:endParaRPr lang="fr-CA"/>
           </a:p>
@@ -1967,7 +1972,7 @@
           <a:p>
             <a:fld id="{EFBA9ADD-3D64-4887-B8C6-B5E64B182A8F}" type="datetimeFigureOut">
               <a:rPr lang="fr-CA" smtClean="0"/>
-              <a:t>2023-03-23</a:t>
+              <a:t>2023-03-28</a:t>
             </a:fld>
             <a:endParaRPr lang="fr-CA"/>
           </a:p>
@@ -2080,7 +2085,7 @@
           <a:p>
             <a:fld id="{EFBA9ADD-3D64-4887-B8C6-B5E64B182A8F}" type="datetimeFigureOut">
               <a:rPr lang="fr-CA" smtClean="0"/>
-              <a:t>2023-03-23</a:t>
+              <a:t>2023-03-28</a:t>
             </a:fld>
             <a:endParaRPr lang="fr-CA"/>
           </a:p>
@@ -2393,7 +2398,7 @@
           <a:p>
             <a:fld id="{EFBA9ADD-3D64-4887-B8C6-B5E64B182A8F}" type="datetimeFigureOut">
               <a:rPr lang="fr-CA" smtClean="0"/>
-              <a:t>2023-03-23</a:t>
+              <a:t>2023-03-28</a:t>
             </a:fld>
             <a:endParaRPr lang="fr-CA"/>
           </a:p>
@@ -2682,7 +2687,7 @@
           <a:p>
             <a:fld id="{EFBA9ADD-3D64-4887-B8C6-B5E64B182A8F}" type="datetimeFigureOut">
               <a:rPr lang="fr-CA" smtClean="0"/>
-              <a:t>2023-03-23</a:t>
+              <a:t>2023-03-28</a:t>
             </a:fld>
             <a:endParaRPr lang="fr-CA"/>
           </a:p>
@@ -2925,7 +2930,7 @@
           <a:p>
             <a:fld id="{EFBA9ADD-3D64-4887-B8C6-B5E64B182A8F}" type="datetimeFigureOut">
               <a:rPr lang="fr-CA" smtClean="0"/>
-              <a:t>2023-03-23</a:t>
+              <a:t>2023-03-28</a:t>
             </a:fld>
             <a:endParaRPr lang="fr-CA"/>
           </a:p>
@@ -3378,12 +3383,47 @@
           </a:prstGeom>
         </p:spPr>
       </p:pic>
+      <p:sp>
+        <p:nvSpPr>
+          <p:cNvPr id="8" name="ZoneTexte 7">
+            <a:extLst>
+              <a:ext uri="{FF2B5EF4-FFF2-40B4-BE49-F238E27FC236}">
+                <a16:creationId xmlns:a16="http://schemas.microsoft.com/office/drawing/2014/main" id="{3AA2F94B-CDB6-73CD-2C43-C5C9A1616D55}"/>
+              </a:ext>
+            </a:extLst>
+          </p:cNvPr>
+          <p:cNvSpPr txBox="1"/>
+          <p:nvPr/>
+        </p:nvSpPr>
+        <p:spPr>
+          <a:xfrm>
+            <a:off x="6182689" y="516434"/>
+            <a:ext cx="4286250" cy="769441"/>
+          </a:xfrm>
+          <a:prstGeom prst="rect">
+            <a:avLst/>
+          </a:prstGeom>
+          <a:noFill/>
+        </p:spPr>
+        <p:txBody>
+          <a:bodyPr wrap="square" rtlCol="0">
+            <a:spAutoFit/>
+          </a:bodyPr>
+          <a:lstStyle/>
+          <a:p>
+            <a:r>
+              <a:rPr lang="fr-CA" sz="4400" dirty="0"/>
+              <a:t>Application web</a:t>
+            </a:r>
+          </a:p>
+        </p:txBody>
+      </p:sp>
       <p:pic>
         <p:nvPicPr>
-          <p:cNvPr id="7" name="Image 6">
-            <a:extLst>
-              <a:ext uri="{FF2B5EF4-FFF2-40B4-BE49-F238E27FC236}">
-                <a16:creationId xmlns:a16="http://schemas.microsoft.com/office/drawing/2014/main" id="{1FA71228-5EA3-4FFB-9003-FB7C128BC321}"/>
+          <p:cNvPr id="3" name="Image 2">
+            <a:extLst>
+              <a:ext uri="{FF2B5EF4-FFF2-40B4-BE49-F238E27FC236}">
+                <a16:creationId xmlns:a16="http://schemas.microsoft.com/office/drawing/2014/main" id="{0A28FEE2-8949-5D88-1AC6-19EEE3B182CF}"/>
               </a:ext>
             </a:extLst>
           </p:cNvPr>
@@ -3400,49 +3440,14 @@
         </p:blipFill>
         <p:spPr>
           <a:xfrm>
-            <a:off x="1457630" y="370749"/>
-            <a:ext cx="4725059" cy="5201376"/>
+            <a:off x="950830" y="513644"/>
+            <a:ext cx="5058481" cy="5058481"/>
           </a:xfrm>
           <a:prstGeom prst="rect">
             <a:avLst/>
           </a:prstGeom>
         </p:spPr>
       </p:pic>
-      <p:sp>
-        <p:nvSpPr>
-          <p:cNvPr id="8" name="ZoneTexte 7">
-            <a:extLst>
-              <a:ext uri="{FF2B5EF4-FFF2-40B4-BE49-F238E27FC236}">
-                <a16:creationId xmlns:a16="http://schemas.microsoft.com/office/drawing/2014/main" id="{3AA2F94B-CDB6-73CD-2C43-C5C9A1616D55}"/>
-              </a:ext>
-            </a:extLst>
-          </p:cNvPr>
-          <p:cNvSpPr txBox="1"/>
-          <p:nvPr/>
-        </p:nvSpPr>
-        <p:spPr>
-          <a:xfrm>
-            <a:off x="6182689" y="516434"/>
-            <a:ext cx="4286250" cy="769441"/>
-          </a:xfrm>
-          <a:prstGeom prst="rect">
-            <a:avLst/>
-          </a:prstGeom>
-          <a:noFill/>
-        </p:spPr>
-        <p:txBody>
-          <a:bodyPr wrap="square" rtlCol="0">
-            <a:spAutoFit/>
-          </a:bodyPr>
-          <a:lstStyle/>
-          <a:p>
-            <a:r>
-              <a:rPr lang="fr-CA" sz="4400" dirty="0"/>
-              <a:t>Application web</a:t>
-            </a:r>
-          </a:p>
-        </p:txBody>
-      </p:sp>
     </p:spTree>
     <p:extLst>
       <p:ext uri="{BB962C8B-B14F-4D97-AF65-F5344CB8AC3E}">
